--- a/slides/02_CS449_Data-Representation.pptx
+++ b/slides/02_CS449_Data-Representation.pptx
@@ -31634,13 +31634,13 @@
               <a:t>printf</a:t>
             </a:r>
             <a:r>
-              <a:rPr lang="en-US" dirty="0">
+              <a:rPr lang="en-US">
                 <a:latin typeface="Inconsolata" panose="020B0609030003000000" pitchFamily="49" charset="0"/>
               </a:rPr>
               <a:t>(</a:t>
             </a:r>
             <a:r>
-              <a:rPr lang="en-US" dirty="0">
+              <a:rPr lang="en-US">
                 <a:solidFill>
                   <a:schemeClr val="accent2">
                     <a:lumMod val="75000"/>
@@ -31648,13 +31648,19 @@
                 </a:solidFill>
                 <a:latin typeface="Inconsolata" panose="020B0609030003000000" pitchFamily="49" charset="0"/>
               </a:rPr>
-              <a:t>"%d "</a:t>
+              <a:t>"%u\n"</a:t>
+            </a:r>
+            <a:r>
+              <a:rPr lang="en-US">
+                <a:latin typeface="Inconsolata" panose="020B0609030003000000" pitchFamily="49" charset="0"/>
+              </a:rPr>
+              <a:t>, </a:t>
             </a:r>
             <a:r>
               <a:rPr lang="en-US" dirty="0">
                 <a:latin typeface="Inconsolata" panose="020B0609030003000000" pitchFamily="49" charset="0"/>
               </a:rPr>
-              <a:t>, UINT_MAX);	  </a:t>
+              <a:t>UINT_MAX);	  </a:t>
             </a:r>
             <a:r>
               <a:rPr lang="en-US" dirty="0">
